--- a/_book/plot/unnamed-chunk-73-1.pptx
+++ b/_book/plot/unnamed-chunk-73-1.pptx
@@ -3218,7 +3218,7 @@
           </p:nvSpPr>
           <p:spPr>
             <a:xfrm>
-              <a:off x="2979271" y="1590617"/>
+              <a:off x="2769037" y="1590617"/>
               <a:ext cx="0" cy="4048310"/>
             </a:xfrm>
             <a:custGeom>
@@ -3261,7 +3261,7 @@
           </p:nvSpPr>
           <p:spPr>
             <a:xfrm>
-              <a:off x="4890716" y="1590617"/>
+              <a:off x="4260015" y="1590617"/>
               <a:ext cx="0" cy="4048310"/>
             </a:xfrm>
             <a:custGeom>
@@ -3304,7 +3304,7 @@
           </p:nvSpPr>
           <p:spPr>
             <a:xfrm>
-              <a:off x="6802161" y="1590617"/>
+              <a:off x="5750992" y="1590617"/>
               <a:ext cx="0" cy="4048310"/>
             </a:xfrm>
             <a:custGeom>
@@ -3347,7 +3347,7 @@
           </p:nvSpPr>
           <p:spPr>
             <a:xfrm>
-              <a:off x="8713606" y="1590617"/>
+              <a:off x="7241970" y="1590617"/>
               <a:ext cx="0" cy="4048310"/>
             </a:xfrm>
             <a:custGeom>
@@ -3390,7 +3390,50 @@
           </p:nvSpPr>
           <p:spPr>
             <a:xfrm>
-              <a:off x="2023549" y="5301568"/>
+              <a:off x="8732947" y="1590617"/>
+              <a:ext cx="0" cy="4048310"/>
+            </a:xfrm>
+            <a:custGeom>
+              <a:avLst/>
+              <a:pathLst>
+                <a:path w="0" h="4048310">
+                  <a:moveTo>
+                    <a:pt x="0" y="4048310"/>
+                  </a:moveTo>
+                  <a:lnTo>
+                    <a:pt x="0" y="0"/>
+                  </a:lnTo>
+                  <a:lnTo>
+                    <a:pt x="0" y="0"/>
+                  </a:lnTo>
+                </a:path>
+              </a:pathLst>
+            </a:custGeom>
+            <a:ln w="3387" cap="flat">
+              <a:solidFill>
+                <a:srgbClr val="DEDEDE">
+                  <a:alpha val="100000"/>
+                </a:srgbClr>
+              </a:solidFill>
+              <a:prstDash val="solid"/>
+              <a:round/>
+            </a:ln>
+          </p:spPr>
+          <p:txBody>
+            <a:bodyPr/>
+            <a:lstStyle/>
+            <a:p/>
+          </p:txBody>
+        </p:sp>
+        <p:sp>
+          <p:nvSpPr>
+            <p:cNvPr id="11" name="pl11"/>
+            <p:cNvSpPr/>
+            <p:nvPr/>
+          </p:nvSpPr>
+          <p:spPr>
+            <a:xfrm>
+              <a:off x="2023549" y="5374907"/>
               <a:ext cx="6913543" cy="0"/>
             </a:xfrm>
             <a:custGeom>
@@ -3427,13 +3470,13 @@
         </p:sp>
         <p:sp>
           <p:nvSpPr>
-            <p:cNvPr id="11" name="pl11"/>
-            <p:cNvSpPr/>
-            <p:nvPr/>
-          </p:nvSpPr>
-          <p:spPr>
-            <a:xfrm>
-              <a:off x="2023549" y="4739303"/>
+            <p:cNvPr id="12" name="pl12"/>
+            <p:cNvSpPr/>
+            <p:nvPr/>
+          </p:nvSpPr>
+          <p:spPr>
+            <a:xfrm>
+              <a:off x="2023549" y="4934873"/>
               <a:ext cx="6913543" cy="0"/>
             </a:xfrm>
             <a:custGeom>
@@ -3470,13 +3513,13 @@
         </p:sp>
         <p:sp>
           <p:nvSpPr>
-            <p:cNvPr id="12" name="pl12"/>
-            <p:cNvSpPr/>
-            <p:nvPr/>
-          </p:nvSpPr>
-          <p:spPr>
-            <a:xfrm>
-              <a:off x="2023549" y="4177037"/>
+            <p:cNvPr id="13" name="pl13"/>
+            <p:cNvSpPr/>
+            <p:nvPr/>
+          </p:nvSpPr>
+          <p:spPr>
+            <a:xfrm>
+              <a:off x="2023549" y="4494840"/>
               <a:ext cx="6913543" cy="0"/>
             </a:xfrm>
             <a:custGeom>
@@ -3513,13 +3556,13 @@
         </p:sp>
         <p:sp>
           <p:nvSpPr>
-            <p:cNvPr id="13" name="pl13"/>
-            <p:cNvSpPr/>
-            <p:nvPr/>
-          </p:nvSpPr>
-          <p:spPr>
-            <a:xfrm>
-              <a:off x="2023549" y="3614772"/>
+            <p:cNvPr id="14" name="pl14"/>
+            <p:cNvSpPr/>
+            <p:nvPr/>
+          </p:nvSpPr>
+          <p:spPr>
+            <a:xfrm>
+              <a:off x="2023549" y="4054806"/>
               <a:ext cx="6913543" cy="0"/>
             </a:xfrm>
             <a:custGeom>
@@ -3556,13 +3599,13 @@
         </p:sp>
         <p:sp>
           <p:nvSpPr>
-            <p:cNvPr id="14" name="pl14"/>
-            <p:cNvSpPr/>
-            <p:nvPr/>
-          </p:nvSpPr>
-          <p:spPr>
-            <a:xfrm>
-              <a:off x="2023549" y="3052507"/>
+            <p:cNvPr id="15" name="pl15"/>
+            <p:cNvSpPr/>
+            <p:nvPr/>
+          </p:nvSpPr>
+          <p:spPr>
+            <a:xfrm>
+              <a:off x="2023549" y="3614772"/>
               <a:ext cx="6913543" cy="0"/>
             </a:xfrm>
             <a:custGeom>
@@ -3599,13 +3642,13 @@
         </p:sp>
         <p:sp>
           <p:nvSpPr>
-            <p:cNvPr id="15" name="pl15"/>
-            <p:cNvSpPr/>
-            <p:nvPr/>
-          </p:nvSpPr>
-          <p:spPr>
-            <a:xfrm>
-              <a:off x="2023549" y="2490241"/>
+            <p:cNvPr id="16" name="pl16"/>
+            <p:cNvSpPr/>
+            <p:nvPr/>
+          </p:nvSpPr>
+          <p:spPr>
+            <a:xfrm>
+              <a:off x="2023549" y="3174738"/>
               <a:ext cx="6913543" cy="0"/>
             </a:xfrm>
             <a:custGeom>
@@ -3642,13 +3685,13 @@
         </p:sp>
         <p:sp>
           <p:nvSpPr>
-            <p:cNvPr id="16" name="pl16"/>
-            <p:cNvSpPr/>
-            <p:nvPr/>
-          </p:nvSpPr>
-          <p:spPr>
-            <a:xfrm>
-              <a:off x="2023549" y="1927976"/>
+            <p:cNvPr id="17" name="pl17"/>
+            <p:cNvSpPr/>
+            <p:nvPr/>
+          </p:nvSpPr>
+          <p:spPr>
+            <a:xfrm>
+              <a:off x="2023549" y="2734705"/>
               <a:ext cx="6913543" cy="0"/>
             </a:xfrm>
             <a:custGeom>
@@ -3685,7 +3728,93 @@
         </p:sp>
         <p:sp>
           <p:nvSpPr>
-            <p:cNvPr id="17" name="pl17"/>
+            <p:cNvPr id="18" name="pl18"/>
+            <p:cNvSpPr/>
+            <p:nvPr/>
+          </p:nvSpPr>
+          <p:spPr>
+            <a:xfrm>
+              <a:off x="2023549" y="2294671"/>
+              <a:ext cx="6913543" cy="0"/>
+            </a:xfrm>
+            <a:custGeom>
+              <a:avLst/>
+              <a:pathLst>
+                <a:path w="6913543" h="0">
+                  <a:moveTo>
+                    <a:pt x="0" y="0"/>
+                  </a:moveTo>
+                  <a:lnTo>
+                    <a:pt x="6913543" y="0"/>
+                  </a:lnTo>
+                  <a:lnTo>
+                    <a:pt x="6913543" y="0"/>
+                  </a:lnTo>
+                </a:path>
+              </a:pathLst>
+            </a:custGeom>
+            <a:ln w="6775" cap="flat">
+              <a:solidFill>
+                <a:srgbClr val="DEDEDE">
+                  <a:alpha val="100000"/>
+                </a:srgbClr>
+              </a:solidFill>
+              <a:prstDash val="solid"/>
+              <a:round/>
+            </a:ln>
+          </p:spPr>
+          <p:txBody>
+            <a:bodyPr/>
+            <a:lstStyle/>
+            <a:p/>
+          </p:txBody>
+        </p:sp>
+        <p:sp>
+          <p:nvSpPr>
+            <p:cNvPr id="19" name="pl19"/>
+            <p:cNvSpPr/>
+            <p:nvPr/>
+          </p:nvSpPr>
+          <p:spPr>
+            <a:xfrm>
+              <a:off x="2023549" y="1854637"/>
+              <a:ext cx="6913543" cy="0"/>
+            </a:xfrm>
+            <a:custGeom>
+              <a:avLst/>
+              <a:pathLst>
+                <a:path w="6913543" h="0">
+                  <a:moveTo>
+                    <a:pt x="0" y="0"/>
+                  </a:moveTo>
+                  <a:lnTo>
+                    <a:pt x="6913543" y="0"/>
+                  </a:lnTo>
+                  <a:lnTo>
+                    <a:pt x="6913543" y="0"/>
+                  </a:lnTo>
+                </a:path>
+              </a:pathLst>
+            </a:custGeom>
+            <a:ln w="6775" cap="flat">
+              <a:solidFill>
+                <a:srgbClr val="DEDEDE">
+                  <a:alpha val="100000"/>
+                </a:srgbClr>
+              </a:solidFill>
+              <a:prstDash val="solid"/>
+              <a:round/>
+            </a:ln>
+          </p:spPr>
+          <p:txBody>
+            <a:bodyPr/>
+            <a:lstStyle/>
+            <a:p/>
+          </p:txBody>
+        </p:sp>
+        <p:sp>
+          <p:nvSpPr>
+            <p:cNvPr id="20" name="pl20"/>
             <p:cNvSpPr/>
             <p:nvPr/>
           </p:nvSpPr>
@@ -3728,13 +3857,13 @@
         </p:sp>
         <p:sp>
           <p:nvSpPr>
-            <p:cNvPr id="18" name="pl18"/>
-            <p:cNvSpPr/>
-            <p:nvPr/>
-          </p:nvSpPr>
-          <p:spPr>
-            <a:xfrm>
-              <a:off x="3934994" y="1590617"/>
+            <p:cNvPr id="21" name="pl21"/>
+            <p:cNvSpPr/>
+            <p:nvPr/>
+          </p:nvSpPr>
+          <p:spPr>
+            <a:xfrm>
+              <a:off x="3514526" y="1590617"/>
               <a:ext cx="0" cy="4048310"/>
             </a:xfrm>
             <a:custGeom>
@@ -3771,13 +3900,13 @@
         </p:sp>
         <p:sp>
           <p:nvSpPr>
-            <p:cNvPr id="19" name="pl19"/>
-            <p:cNvSpPr/>
-            <p:nvPr/>
-          </p:nvSpPr>
-          <p:spPr>
-            <a:xfrm>
-              <a:off x="5846439" y="1590617"/>
+            <p:cNvPr id="22" name="pl22"/>
+            <p:cNvSpPr/>
+            <p:nvPr/>
+          </p:nvSpPr>
+          <p:spPr>
+            <a:xfrm>
+              <a:off x="5005504" y="1590617"/>
               <a:ext cx="0" cy="4048310"/>
             </a:xfrm>
             <a:custGeom>
@@ -3814,13 +3943,13 @@
         </p:sp>
         <p:sp>
           <p:nvSpPr>
-            <p:cNvPr id="20" name="pl20"/>
-            <p:cNvSpPr/>
-            <p:nvPr/>
-          </p:nvSpPr>
-          <p:spPr>
-            <a:xfrm>
-              <a:off x="7757883" y="1590617"/>
+            <p:cNvPr id="23" name="pl23"/>
+            <p:cNvSpPr/>
+            <p:nvPr/>
+          </p:nvSpPr>
+          <p:spPr>
+            <a:xfrm>
+              <a:off x="6496481" y="1590617"/>
               <a:ext cx="0" cy="4048310"/>
             </a:xfrm>
             <a:custGeom>
@@ -3857,14 +3986,57 @@
         </p:sp>
         <p:sp>
           <p:nvSpPr>
-            <p:cNvPr id="21" name="rc21"/>
-            <p:cNvSpPr/>
-            <p:nvPr/>
-          </p:nvSpPr>
-          <p:spPr>
-            <a:xfrm>
-              <a:off x="2023549" y="1674957"/>
-              <a:ext cx="6777983" cy="506038"/>
+            <p:cNvPr id="24" name="pl24"/>
+            <p:cNvSpPr/>
+            <p:nvPr/>
+          </p:nvSpPr>
+          <p:spPr>
+            <a:xfrm>
+              <a:off x="7987459" y="1590617"/>
+              <a:ext cx="0" cy="4048310"/>
+            </a:xfrm>
+            <a:custGeom>
+              <a:avLst/>
+              <a:pathLst>
+                <a:path w="0" h="4048310">
+                  <a:moveTo>
+                    <a:pt x="0" y="4048310"/>
+                  </a:moveTo>
+                  <a:lnTo>
+                    <a:pt x="0" y="0"/>
+                  </a:lnTo>
+                  <a:lnTo>
+                    <a:pt x="0" y="0"/>
+                  </a:lnTo>
+                </a:path>
+              </a:pathLst>
+            </a:custGeom>
+            <a:ln w="6775" cap="flat">
+              <a:solidFill>
+                <a:srgbClr val="DEDEDE">
+                  <a:alpha val="100000"/>
+                </a:srgbClr>
+              </a:solidFill>
+              <a:prstDash val="solid"/>
+              <a:round/>
+            </a:ln>
+          </p:spPr>
+          <p:txBody>
+            <a:bodyPr/>
+            <a:lstStyle/>
+            <a:p/>
+          </p:txBody>
+        </p:sp>
+        <p:sp>
+          <p:nvSpPr>
+            <p:cNvPr id="25" name="rc25"/>
+            <p:cNvSpPr/>
+            <p:nvPr/>
+          </p:nvSpPr>
+          <p:spPr>
+            <a:xfrm>
+              <a:off x="2023549" y="1656622"/>
+              <a:ext cx="6777983" cy="396030"/>
             </a:xfrm>
             <a:prstGeom prst="rect">
               <a:avLst/>
@@ -3883,14 +4055,14 @@
         </p:sp>
         <p:sp>
           <p:nvSpPr>
-            <p:cNvPr id="22" name="rc22"/>
-            <p:cNvSpPr/>
-            <p:nvPr/>
-          </p:nvSpPr>
-          <p:spPr>
-            <a:xfrm>
-              <a:off x="2023549" y="2237222"/>
-              <a:ext cx="6770337" cy="506038"/>
+            <p:cNvPr id="26" name="rc26"/>
+            <p:cNvSpPr/>
+            <p:nvPr/>
+          </p:nvSpPr>
+          <p:spPr>
+            <a:xfrm>
+              <a:off x="2023549" y="2096656"/>
+              <a:ext cx="5725353" cy="396030"/>
             </a:xfrm>
             <a:prstGeom prst="rect">
               <a:avLst/>
@@ -3909,14 +4081,14 @@
         </p:sp>
         <p:sp>
           <p:nvSpPr>
-            <p:cNvPr id="23" name="rc23"/>
-            <p:cNvSpPr/>
-            <p:nvPr/>
-          </p:nvSpPr>
-          <p:spPr>
-            <a:xfrm>
-              <a:off x="2023549" y="2799487"/>
-              <a:ext cx="5705662" cy="506038"/>
+            <p:cNvPr id="27" name="rc27"/>
+            <p:cNvSpPr/>
+            <p:nvPr/>
+          </p:nvSpPr>
+          <p:spPr>
+            <a:xfrm>
+              <a:off x="2023549" y="2536689"/>
+              <a:ext cx="5269114" cy="396030"/>
             </a:xfrm>
             <a:prstGeom prst="rect">
               <a:avLst/>
@@ -3935,14 +4107,14 @@
         </p:sp>
         <p:sp>
           <p:nvSpPr>
-            <p:cNvPr id="24" name="rc24"/>
-            <p:cNvSpPr/>
-            <p:nvPr/>
-          </p:nvSpPr>
-          <p:spPr>
-            <a:xfrm>
-              <a:off x="2023549" y="3361753"/>
-              <a:ext cx="4851247" cy="506038"/>
+            <p:cNvPr id="28" name="rc28"/>
+            <p:cNvSpPr/>
+            <p:nvPr/>
+          </p:nvSpPr>
+          <p:spPr>
+            <a:xfrm>
+              <a:off x="2023549" y="2976723"/>
+              <a:ext cx="4481878" cy="396030"/>
             </a:xfrm>
             <a:prstGeom prst="rect">
               <a:avLst/>
@@ -3961,14 +4133,14 @@
         </p:sp>
         <p:sp>
           <p:nvSpPr>
-            <p:cNvPr id="25" name="rc25"/>
-            <p:cNvSpPr/>
-            <p:nvPr/>
-          </p:nvSpPr>
-          <p:spPr>
-            <a:xfrm>
-              <a:off x="2023549" y="3924018"/>
-              <a:ext cx="4813018" cy="506038"/>
+            <p:cNvPr id="29" name="rc29"/>
+            <p:cNvSpPr/>
+            <p:nvPr/>
+          </p:nvSpPr>
+          <p:spPr>
+            <a:xfrm>
+              <a:off x="2023549" y="3416757"/>
+              <a:ext cx="4130007" cy="396030"/>
             </a:xfrm>
             <a:prstGeom prst="rect">
               <a:avLst/>
@@ -3987,14 +4159,14 @@
         </p:sp>
         <p:sp>
           <p:nvSpPr>
-            <p:cNvPr id="26" name="rc26"/>
-            <p:cNvSpPr/>
-            <p:nvPr/>
-          </p:nvSpPr>
-          <p:spPr>
-            <a:xfrm>
-              <a:off x="2023549" y="4486283"/>
-              <a:ext cx="1301693" cy="506038"/>
+            <p:cNvPr id="30" name="rc30"/>
+            <p:cNvSpPr/>
+            <p:nvPr/>
+          </p:nvSpPr>
+          <p:spPr>
+            <a:xfrm>
+              <a:off x="2023549" y="3856791"/>
+              <a:ext cx="3843739" cy="396030"/>
             </a:xfrm>
             <a:prstGeom prst="rect">
               <a:avLst/>
@@ -4013,14 +4185,14 @@
         </p:sp>
         <p:sp>
           <p:nvSpPr>
-            <p:cNvPr id="27" name="rc27"/>
-            <p:cNvSpPr/>
-            <p:nvPr/>
-          </p:nvSpPr>
-          <p:spPr>
-            <a:xfrm>
-              <a:off x="2023549" y="5048549"/>
-              <a:ext cx="162472" cy="506038"/>
+            <p:cNvPr id="31" name="rc31"/>
+            <p:cNvSpPr/>
+            <p:nvPr/>
+          </p:nvSpPr>
+          <p:spPr>
+            <a:xfrm>
+              <a:off x="2023549" y="4296824"/>
+              <a:ext cx="2773218" cy="396030"/>
             </a:xfrm>
             <a:prstGeom prst="rect">
               <a:avLst/>
@@ -4039,14 +4211,66 @@
         </p:sp>
         <p:sp>
           <p:nvSpPr>
-            <p:cNvPr id="28" name="tx28"/>
-            <p:cNvSpPr/>
-            <p:nvPr/>
-          </p:nvSpPr>
-          <p:spPr>
-            <a:xfrm>
-              <a:off x="7792989" y="1871010"/>
-              <a:ext cx="843155" cy="80245"/>
+            <p:cNvPr id="32" name="rc32"/>
+            <p:cNvSpPr/>
+            <p:nvPr/>
+          </p:nvSpPr>
+          <p:spPr>
+            <a:xfrm>
+              <a:off x="2023549" y="4736858"/>
+              <a:ext cx="1780227" cy="396030"/>
+            </a:xfrm>
+            <a:prstGeom prst="rect">
+              <a:avLst/>
+            </a:prstGeom>
+            <a:solidFill>
+              <a:srgbClr val="595959">
+                <a:alpha val="100000"/>
+              </a:srgbClr>
+            </a:solidFill>
+          </p:spPr>
+          <p:txBody>
+            <a:bodyPr/>
+            <a:lstStyle/>
+            <a:p/>
+          </p:txBody>
+        </p:sp>
+        <p:sp>
+          <p:nvSpPr>
+            <p:cNvPr id="33" name="rc33"/>
+            <p:cNvSpPr/>
+            <p:nvPr/>
+          </p:nvSpPr>
+          <p:spPr>
+            <a:xfrm>
+              <a:off x="2023549" y="5176892"/>
+              <a:ext cx="1738479" cy="396030"/>
+            </a:xfrm>
+            <a:prstGeom prst="rect">
+              <a:avLst/>
+            </a:prstGeom>
+            <a:solidFill>
+              <a:srgbClr val="595959">
+                <a:alpha val="100000"/>
+              </a:srgbClr>
+            </a:solidFill>
+          </p:spPr>
+          <p:txBody>
+            <a:bodyPr/>
+            <a:lstStyle/>
+            <a:p/>
+          </p:txBody>
+        </p:sp>
+        <p:sp>
+          <p:nvSpPr>
+            <p:cNvPr id="34" name="tx34"/>
+            <p:cNvSpPr/>
+            <p:nvPr/>
+          </p:nvSpPr>
+          <p:spPr>
+            <a:xfrm>
+              <a:off x="8269026" y="1810163"/>
+              <a:ext cx="406518" cy="67753"/>
             </a:xfrm>
             <a:prstGeom prst="rect">
               <a:avLst/>
@@ -4078,21 +4302,21 @@
                   <a:latin typeface="Arial"/>
                   <a:cs typeface="Arial"/>
                 </a:rPr>
-                <a:t>大品牌/知名品牌的产品</a:t>
+                <a:t>菌株特异性</a:t>
               </a:r>
             </a:p>
           </p:txBody>
         </p:sp>
         <p:sp>
           <p:nvSpPr>
-            <p:cNvPr id="29" name="tx29"/>
-            <p:cNvSpPr/>
-            <p:nvPr/>
-          </p:nvSpPr>
-          <p:spPr>
-            <a:xfrm>
-              <a:off x="7896765" y="2445768"/>
-              <a:ext cx="731733" cy="67753"/>
+            <p:cNvPr id="35" name="tx35"/>
+            <p:cNvSpPr/>
+            <p:nvPr/>
+          </p:nvSpPr>
+          <p:spPr>
+            <a:xfrm>
+              <a:off x="6749693" y="2237705"/>
+              <a:ext cx="873221" cy="80245"/>
             </a:xfrm>
             <a:prstGeom prst="rect">
               <a:avLst/>
@@ -4124,21 +4348,21 @@
                   <a:latin typeface="Arial"/>
                   <a:cs typeface="Arial"/>
                 </a:rPr>
-                <a:t>包装设计特别吸眼球</a:t>
+                <a:t>随机对照试验（RCT）</a:t>
               </a:r>
             </a:p>
           </p:txBody>
         </p:sp>
         <p:sp>
           <p:nvSpPr>
-            <p:cNvPr id="30" name="tx30"/>
-            <p:cNvSpPr/>
-            <p:nvPr/>
-          </p:nvSpPr>
-          <p:spPr>
-            <a:xfrm>
-              <a:off x="6750786" y="3008033"/>
-              <a:ext cx="813037" cy="67753"/>
+            <p:cNvPr id="36" name="tx36"/>
+            <p:cNvSpPr/>
+            <p:nvPr/>
+          </p:nvSpPr>
+          <p:spPr>
+            <a:xfrm>
+              <a:off x="6293454" y="2677739"/>
+              <a:ext cx="873221" cy="80245"/>
             </a:xfrm>
             <a:prstGeom prst="rect">
               <a:avLst/>
@@ -4170,21 +4394,21 @@
                   <a:latin typeface="Arial"/>
                   <a:cs typeface="Arial"/>
                 </a:rPr>
-                <a:t>该产品的价格很吸引人</a:t>
+                <a:t>菌落形成单位（CFU）</a:t>
               </a:r>
             </a:p>
           </p:txBody>
         </p:sp>
         <p:sp>
           <p:nvSpPr>
-            <p:cNvPr id="31" name="tx31"/>
-            <p:cNvSpPr/>
-            <p:nvPr/>
-          </p:nvSpPr>
-          <p:spPr>
-            <a:xfrm>
-              <a:off x="5164637" y="3570299"/>
-              <a:ext cx="1544771" cy="67753"/>
+            <p:cNvPr id="37" name="tx37"/>
+            <p:cNvSpPr/>
+            <p:nvPr/>
+          </p:nvSpPr>
+          <p:spPr>
+            <a:xfrm>
+              <a:off x="6216832" y="3130265"/>
+              <a:ext cx="162607" cy="67753"/>
             </a:xfrm>
             <a:prstGeom prst="rect">
               <a:avLst/>
@@ -4216,21 +4440,21 @@
                   <a:latin typeface="Arial"/>
                   <a:cs typeface="Arial"/>
                 </a:rPr>
-                <a:t>有专业人士（如医生、科普专家）推荐购买</a:t>
+                <a:t>循证</a:t>
               </a:r>
             </a:p>
           </p:txBody>
         </p:sp>
         <p:sp>
           <p:nvSpPr>
-            <p:cNvPr id="32" name="tx32"/>
-            <p:cNvSpPr/>
-            <p:nvPr/>
-          </p:nvSpPr>
-          <p:spPr>
-            <a:xfrm>
-              <a:off x="5014986" y="4120072"/>
-              <a:ext cx="1656193" cy="80245"/>
+            <p:cNvPr id="38" name="tx38"/>
+            <p:cNvSpPr/>
+            <p:nvPr/>
+          </p:nvSpPr>
+          <p:spPr>
+            <a:xfrm>
+              <a:off x="5642170" y="3557807"/>
+              <a:ext cx="385398" cy="80245"/>
             </a:xfrm>
             <a:prstGeom prst="rect">
               <a:avLst/>
@@ -4262,21 +4486,67 @@
                   <a:latin typeface="Arial"/>
                   <a:cs typeface="Arial"/>
                 </a:rPr>
-                <a:t>该产品宣称的卖点/适应症契合自己或家人所需</a:t>
+                <a:t>出厂CFU</a:t>
               </a:r>
             </a:p>
           </p:txBody>
         </p:sp>
         <p:sp>
           <p:nvSpPr>
-            <p:cNvPr id="33" name="tx33"/>
-            <p:cNvSpPr/>
-            <p:nvPr/>
-          </p:nvSpPr>
-          <p:spPr>
-            <a:xfrm>
-              <a:off x="3490630" y="4710349"/>
-              <a:ext cx="1056948" cy="67753"/>
+            <p:cNvPr id="39" name="tx39"/>
+            <p:cNvSpPr/>
+            <p:nvPr/>
+          </p:nvSpPr>
+          <p:spPr>
+            <a:xfrm>
+              <a:off x="5416086" y="4010332"/>
+              <a:ext cx="325215" cy="67753"/>
+            </a:xfrm>
+            <a:prstGeom prst="rect">
+              <a:avLst/>
+            </a:prstGeom>
+            <a:noFill/>
+          </p:spPr>
+          <p:txBody>
+            <a:bodyPr lIns="0" rIns="0" tIns="0" bIns="0" anchorCtr="1" anchor="ctr" wrap="none"/>
+            <a:lstStyle/>
+            <a:p>
+              <a:pPr algn="l" marL="0" marR="0" indent="0">
+                <a:lnSpc>
+                  <a:spcPts val="853"/>
+                </a:lnSpc>
+                <a:spcBef>
+                  <a:spcPts val="0"/>
+                </a:spcBef>
+                <a:spcAft>
+                  <a:spcPts val="0"/>
+                </a:spcAft>
+              </a:pPr>
+              <a:r>
+                <a:rPr sz="853" b="1">
+                  <a:solidFill>
+                    <a:srgbClr val="FFFFFF">
+                      <a:alpha val="100000"/>
+                    </a:srgbClr>
+                  </a:solidFill>
+                  <a:latin typeface="Arial"/>
+                  <a:cs typeface="Arial"/>
+                </a:rPr>
+                <a:t>菌株编号</a:t>
+              </a:r>
+            </a:p>
+          </p:txBody>
+        </p:sp>
+        <p:sp>
+          <p:nvSpPr>
+            <p:cNvPr id="40" name="tx40"/>
+            <p:cNvSpPr/>
+            <p:nvPr/>
+          </p:nvSpPr>
+          <p:spPr>
+            <a:xfrm>
+              <a:off x="4922754" y="4453394"/>
+              <a:ext cx="466702" cy="80245"/>
             </a:xfrm>
             <a:prstGeom prst="rect">
               <a:avLst/>
@@ -4308,21 +4578,21 @@
                   <a:latin typeface="Arial"/>
                   <a:cs typeface="Arial"/>
                 </a:rPr>
-                <a:t>有明星、直播带货大主播推荐</a:t>
+                <a:t>货架期CFU</a:t>
               </a:r>
             </a:p>
           </p:txBody>
         </p:sp>
         <p:sp>
           <p:nvSpPr>
-            <p:cNvPr id="34" name="tx34"/>
-            <p:cNvSpPr/>
-            <p:nvPr/>
-          </p:nvSpPr>
-          <p:spPr>
-            <a:xfrm>
-              <a:off x="2351409" y="5272614"/>
-              <a:ext cx="1382163" cy="67753"/>
+            <p:cNvPr id="41" name="tx41"/>
+            <p:cNvSpPr/>
+            <p:nvPr/>
+          </p:nvSpPr>
+          <p:spPr>
+            <a:xfrm>
+              <a:off x="3929763" y="4905920"/>
+              <a:ext cx="569126" cy="67753"/>
             </a:xfrm>
             <a:prstGeom prst="rect">
               <a:avLst/>
@@ -4354,14 +4624,60 @@
                   <a:latin typeface="Arial"/>
                   <a:cs typeface="Arial"/>
                 </a:rPr>
-                <a:t>不存在购买特定品牌特定益生菌的习惯</a:t>
+                <a:t>以上有没有听过</a:t>
               </a:r>
             </a:p>
           </p:txBody>
         </p:sp>
         <p:sp>
           <p:nvSpPr>
-            <p:cNvPr id="35" name="rc35"/>
+            <p:cNvPr id="42" name="tx42"/>
+            <p:cNvSpPr/>
+            <p:nvPr/>
+          </p:nvSpPr>
+          <p:spPr>
+            <a:xfrm>
+              <a:off x="3888016" y="5345953"/>
+              <a:ext cx="325215" cy="67753"/>
+            </a:xfrm>
+            <a:prstGeom prst="rect">
+              <a:avLst/>
+            </a:prstGeom>
+            <a:noFill/>
+          </p:spPr>
+          <p:txBody>
+            <a:bodyPr lIns="0" rIns="0" tIns="0" bIns="0" anchorCtr="1" anchor="ctr" wrap="none"/>
+            <a:lstStyle/>
+            <a:p>
+              <a:pPr algn="l" marL="0" marR="0" indent="0">
+                <a:lnSpc>
+                  <a:spcPts val="853"/>
+                </a:lnSpc>
+                <a:spcBef>
+                  <a:spcPts val="0"/>
+                </a:spcBef>
+                <a:spcAft>
+                  <a:spcPts val="0"/>
+                </a:spcAft>
+              </a:pPr>
+              <a:r>
+                <a:rPr sz="853">
+                  <a:solidFill>
+                    <a:srgbClr val="000000">
+                      <a:alpha val="100000"/>
+                    </a:srgbClr>
+                  </a:solidFill>
+                  <a:latin typeface="Arial"/>
+                  <a:cs typeface="Arial"/>
+                </a:rPr>
+                <a:t>冷链物流</a:t>
+              </a:r>
+            </a:p>
+          </p:txBody>
+        </p:sp>
+        <p:sp>
+          <p:nvSpPr>
+            <p:cNvPr id="43" name="rc43"/>
             <p:cNvSpPr/>
             <p:nvPr/>
           </p:nvSpPr>
@@ -4391,13 +4707,105 @@
         </p:sp>
         <p:sp>
           <p:nvSpPr>
-            <p:cNvPr id="36" name="tx36"/>
-            <p:cNvSpPr/>
-            <p:nvPr/>
-          </p:nvSpPr>
-          <p:spPr>
-            <a:xfrm>
-              <a:off x="1926599" y="5262660"/>
+            <p:cNvPr id="44" name="tx44"/>
+            <p:cNvSpPr/>
+            <p:nvPr/>
+          </p:nvSpPr>
+          <p:spPr>
+            <a:xfrm>
+              <a:off x="1926599" y="5333161"/>
+              <a:ext cx="62155" cy="81746"/>
+            </a:xfrm>
+            <a:prstGeom prst="rect">
+              <a:avLst/>
+            </a:prstGeom>
+            <a:noFill/>
+          </p:spPr>
+          <p:txBody>
+            <a:bodyPr lIns="0" rIns="0" tIns="0" bIns="0" anchorCtr="1" anchor="ctr" wrap="none"/>
+            <a:lstStyle/>
+            <a:p>
+              <a:pPr algn="l" marL="0" marR="0" indent="0">
+                <a:lnSpc>
+                  <a:spcPts val="880"/>
+                </a:lnSpc>
+                <a:spcBef>
+                  <a:spcPts val="0"/>
+                </a:spcBef>
+                <a:spcAft>
+                  <a:spcPts val="0"/>
+                </a:spcAft>
+              </a:pPr>
+              <a:r>
+                <a:rPr sz="880" b="1">
+                  <a:solidFill>
+                    <a:srgbClr val="4D4D4D">
+                      <a:alpha val="100000"/>
+                    </a:srgbClr>
+                  </a:solidFill>
+                  <a:latin typeface="Arial"/>
+                  <a:cs typeface="Arial"/>
+                </a:rPr>
+                <a:t>9</a:t>
+              </a:r>
+            </a:p>
+          </p:txBody>
+        </p:sp>
+        <p:sp>
+          <p:nvSpPr>
+            <p:cNvPr id="45" name="tx45"/>
+            <p:cNvSpPr/>
+            <p:nvPr/>
+          </p:nvSpPr>
+          <p:spPr>
+            <a:xfrm>
+              <a:off x="1926599" y="4893127"/>
+              <a:ext cx="62155" cy="81746"/>
+            </a:xfrm>
+            <a:prstGeom prst="rect">
+              <a:avLst/>
+            </a:prstGeom>
+            <a:noFill/>
+          </p:spPr>
+          <p:txBody>
+            <a:bodyPr lIns="0" rIns="0" tIns="0" bIns="0" anchorCtr="1" anchor="ctr" wrap="none"/>
+            <a:lstStyle/>
+            <a:p>
+              <a:pPr algn="l" marL="0" marR="0" indent="0">
+                <a:lnSpc>
+                  <a:spcPts val="880"/>
+                </a:lnSpc>
+                <a:spcBef>
+                  <a:spcPts val="0"/>
+                </a:spcBef>
+                <a:spcAft>
+                  <a:spcPts val="0"/>
+                </a:spcAft>
+              </a:pPr>
+              <a:r>
+                <a:rPr sz="880" b="1">
+                  <a:solidFill>
+                    <a:srgbClr val="4D4D4D">
+                      <a:alpha val="100000"/>
+                    </a:srgbClr>
+                  </a:solidFill>
+                  <a:latin typeface="Arial"/>
+                  <a:cs typeface="Arial"/>
+                </a:rPr>
+                <a:t>8</a:t>
+              </a:r>
+            </a:p>
+          </p:txBody>
+        </p:sp>
+        <p:sp>
+          <p:nvSpPr>
+            <p:cNvPr id="46" name="tx46"/>
+            <p:cNvSpPr/>
+            <p:nvPr/>
+          </p:nvSpPr>
+          <p:spPr>
+            <a:xfrm>
+              <a:off x="1926599" y="4455931"/>
               <a:ext cx="62155" cy="78908"/>
             </a:xfrm>
             <a:prstGeom prst="rect">
@@ -4437,13 +4845,13 @@
         </p:sp>
         <p:sp>
           <p:nvSpPr>
-            <p:cNvPr id="37" name="tx37"/>
-            <p:cNvSpPr/>
-            <p:nvPr/>
-          </p:nvSpPr>
-          <p:spPr>
-            <a:xfrm>
-              <a:off x="1926599" y="4697611"/>
+            <p:cNvPr id="47" name="tx47"/>
+            <p:cNvSpPr/>
+            <p:nvPr/>
+          </p:nvSpPr>
+          <p:spPr>
+            <a:xfrm>
+              <a:off x="1926599" y="4013114"/>
               <a:ext cx="62155" cy="81691"/>
             </a:xfrm>
             <a:prstGeom prst="rect">
@@ -4483,13 +4891,13 @@
         </p:sp>
         <p:sp>
           <p:nvSpPr>
-            <p:cNvPr id="38" name="tx38"/>
-            <p:cNvSpPr/>
-            <p:nvPr/>
-          </p:nvSpPr>
-          <p:spPr>
-            <a:xfrm>
-              <a:off x="1926599" y="4136765"/>
+            <p:cNvPr id="48" name="tx48"/>
+            <p:cNvSpPr/>
+            <p:nvPr/>
+          </p:nvSpPr>
+          <p:spPr>
+            <a:xfrm>
+              <a:off x="1926599" y="3574499"/>
               <a:ext cx="62155" cy="80272"/>
             </a:xfrm>
             <a:prstGeom prst="rect">
@@ -4529,13 +4937,13 @@
         </p:sp>
         <p:sp>
           <p:nvSpPr>
-            <p:cNvPr id="39" name="tx39"/>
-            <p:cNvSpPr/>
-            <p:nvPr/>
-          </p:nvSpPr>
-          <p:spPr>
-            <a:xfrm>
-              <a:off x="1926599" y="3574445"/>
+            <p:cNvPr id="49" name="tx49"/>
+            <p:cNvSpPr/>
+            <p:nvPr/>
+          </p:nvSpPr>
+          <p:spPr>
+            <a:xfrm>
+              <a:off x="1926599" y="3134411"/>
               <a:ext cx="62155" cy="80327"/>
             </a:xfrm>
             <a:prstGeom prst="rect">
@@ -4575,13 +4983,13 @@
         </p:sp>
         <p:sp>
           <p:nvSpPr>
-            <p:cNvPr id="40" name="tx40"/>
-            <p:cNvSpPr/>
-            <p:nvPr/>
-          </p:nvSpPr>
-          <p:spPr>
-            <a:xfrm>
-              <a:off x="1926599" y="3010815"/>
+            <p:cNvPr id="50" name="tx50"/>
+            <p:cNvSpPr/>
+            <p:nvPr/>
+          </p:nvSpPr>
+          <p:spPr>
+            <a:xfrm>
+              <a:off x="1926599" y="2693013"/>
               <a:ext cx="62155" cy="81691"/>
             </a:xfrm>
             <a:prstGeom prst="rect">
@@ -4621,13 +5029,13 @@
         </p:sp>
         <p:sp>
           <p:nvSpPr>
-            <p:cNvPr id="41" name="tx41"/>
-            <p:cNvSpPr/>
-            <p:nvPr/>
-          </p:nvSpPr>
-          <p:spPr>
-            <a:xfrm>
-              <a:off x="1926599" y="2449914"/>
+            <p:cNvPr id="51" name="tx51"/>
+            <p:cNvSpPr/>
+            <p:nvPr/>
+          </p:nvSpPr>
+          <p:spPr>
+            <a:xfrm>
+              <a:off x="1926599" y="2254343"/>
               <a:ext cx="62155" cy="80327"/>
             </a:xfrm>
             <a:prstGeom prst="rect">
@@ -4667,13 +5075,13 @@
         </p:sp>
         <p:sp>
           <p:nvSpPr>
-            <p:cNvPr id="42" name="tx42"/>
-            <p:cNvSpPr/>
-            <p:nvPr/>
-          </p:nvSpPr>
-          <p:spPr>
-            <a:xfrm>
-              <a:off x="1926599" y="1887649"/>
+            <p:cNvPr id="52" name="tx52"/>
+            <p:cNvSpPr/>
+            <p:nvPr/>
+          </p:nvSpPr>
+          <p:spPr>
+            <a:xfrm>
+              <a:off x="1926599" y="1814310"/>
               <a:ext cx="62155" cy="80327"/>
             </a:xfrm>
             <a:prstGeom prst="rect">
@@ -4713,13 +5121,13 @@
         </p:sp>
         <p:sp>
           <p:nvSpPr>
-            <p:cNvPr id="43" name="pl43"/>
-            <p:cNvSpPr/>
-            <p:nvPr/>
-          </p:nvSpPr>
-          <p:spPr>
-            <a:xfrm>
-              <a:off x="1988754" y="5301568"/>
+            <p:cNvPr id="53" name="pl53"/>
+            <p:cNvSpPr/>
+            <p:nvPr/>
+          </p:nvSpPr>
+          <p:spPr>
+            <a:xfrm>
+              <a:off x="1988754" y="5374907"/>
               <a:ext cx="34794" cy="0"/>
             </a:xfrm>
             <a:custGeom>
@@ -4753,13 +5161,13 @@
         </p:sp>
         <p:sp>
           <p:nvSpPr>
-            <p:cNvPr id="44" name="pl44"/>
-            <p:cNvSpPr/>
-            <p:nvPr/>
-          </p:nvSpPr>
-          <p:spPr>
-            <a:xfrm>
-              <a:off x="1988754" y="4739303"/>
+            <p:cNvPr id="54" name="pl54"/>
+            <p:cNvSpPr/>
+            <p:nvPr/>
+          </p:nvSpPr>
+          <p:spPr>
+            <a:xfrm>
+              <a:off x="1988754" y="4934873"/>
               <a:ext cx="34794" cy="0"/>
             </a:xfrm>
             <a:custGeom>
@@ -4793,13 +5201,13 @@
         </p:sp>
         <p:sp>
           <p:nvSpPr>
-            <p:cNvPr id="45" name="pl45"/>
-            <p:cNvSpPr/>
-            <p:nvPr/>
-          </p:nvSpPr>
-          <p:spPr>
-            <a:xfrm>
-              <a:off x="1988754" y="4177037"/>
+            <p:cNvPr id="55" name="pl55"/>
+            <p:cNvSpPr/>
+            <p:nvPr/>
+          </p:nvSpPr>
+          <p:spPr>
+            <a:xfrm>
+              <a:off x="1988754" y="4494840"/>
               <a:ext cx="34794" cy="0"/>
             </a:xfrm>
             <a:custGeom>
@@ -4833,13 +5241,13 @@
         </p:sp>
         <p:sp>
           <p:nvSpPr>
-            <p:cNvPr id="46" name="pl46"/>
-            <p:cNvSpPr/>
-            <p:nvPr/>
-          </p:nvSpPr>
-          <p:spPr>
-            <a:xfrm>
-              <a:off x="1988754" y="3614772"/>
+            <p:cNvPr id="56" name="pl56"/>
+            <p:cNvSpPr/>
+            <p:nvPr/>
+          </p:nvSpPr>
+          <p:spPr>
+            <a:xfrm>
+              <a:off x="1988754" y="4054806"/>
               <a:ext cx="34794" cy="0"/>
             </a:xfrm>
             <a:custGeom>
@@ -4873,13 +5281,13 @@
         </p:sp>
         <p:sp>
           <p:nvSpPr>
-            <p:cNvPr id="47" name="pl47"/>
-            <p:cNvSpPr/>
-            <p:nvPr/>
-          </p:nvSpPr>
-          <p:spPr>
-            <a:xfrm>
-              <a:off x="1988754" y="3052507"/>
+            <p:cNvPr id="57" name="pl57"/>
+            <p:cNvSpPr/>
+            <p:nvPr/>
+          </p:nvSpPr>
+          <p:spPr>
+            <a:xfrm>
+              <a:off x="1988754" y="3614772"/>
               <a:ext cx="34794" cy="0"/>
             </a:xfrm>
             <a:custGeom>
@@ -4913,13 +5321,13 @@
         </p:sp>
         <p:sp>
           <p:nvSpPr>
-            <p:cNvPr id="48" name="pl48"/>
-            <p:cNvSpPr/>
-            <p:nvPr/>
-          </p:nvSpPr>
-          <p:spPr>
-            <a:xfrm>
-              <a:off x="1988754" y="2490241"/>
+            <p:cNvPr id="58" name="pl58"/>
+            <p:cNvSpPr/>
+            <p:nvPr/>
+          </p:nvSpPr>
+          <p:spPr>
+            <a:xfrm>
+              <a:off x="1988754" y="3174738"/>
               <a:ext cx="34794" cy="0"/>
             </a:xfrm>
             <a:custGeom>
@@ -4953,13 +5361,13 @@
         </p:sp>
         <p:sp>
           <p:nvSpPr>
-            <p:cNvPr id="49" name="pl49"/>
-            <p:cNvSpPr/>
-            <p:nvPr/>
-          </p:nvSpPr>
-          <p:spPr>
-            <a:xfrm>
-              <a:off x="1988754" y="1927976"/>
+            <p:cNvPr id="59" name="pl59"/>
+            <p:cNvSpPr/>
+            <p:nvPr/>
+          </p:nvSpPr>
+          <p:spPr>
+            <a:xfrm>
+              <a:off x="1988754" y="2734705"/>
               <a:ext cx="34794" cy="0"/>
             </a:xfrm>
             <a:custGeom>
@@ -4993,7 +5401,87 @@
         </p:sp>
         <p:sp>
           <p:nvSpPr>
-            <p:cNvPr id="50" name="pl50"/>
+            <p:cNvPr id="60" name="pl60"/>
+            <p:cNvSpPr/>
+            <p:nvPr/>
+          </p:nvSpPr>
+          <p:spPr>
+            <a:xfrm>
+              <a:off x="1988754" y="2294671"/>
+              <a:ext cx="34794" cy="0"/>
+            </a:xfrm>
+            <a:custGeom>
+              <a:avLst/>
+              <a:pathLst>
+                <a:path w="34794" h="0">
+                  <a:moveTo>
+                    <a:pt x="0" y="0"/>
+                  </a:moveTo>
+                  <a:lnTo>
+                    <a:pt x="34794" y="0"/>
+                  </a:lnTo>
+                </a:path>
+              </a:pathLst>
+            </a:custGeom>
+            <a:ln w="6775" cap="flat">
+              <a:solidFill>
+                <a:srgbClr val="B3B3B3">
+                  <a:alpha val="100000"/>
+                </a:srgbClr>
+              </a:solidFill>
+              <a:prstDash val="solid"/>
+              <a:round/>
+            </a:ln>
+          </p:spPr>
+          <p:txBody>
+            <a:bodyPr/>
+            <a:lstStyle/>
+            <a:p/>
+          </p:txBody>
+        </p:sp>
+        <p:sp>
+          <p:nvSpPr>
+            <p:cNvPr id="61" name="pl61"/>
+            <p:cNvSpPr/>
+            <p:nvPr/>
+          </p:nvSpPr>
+          <p:spPr>
+            <a:xfrm>
+              <a:off x="1988754" y="1854637"/>
+              <a:ext cx="34794" cy="0"/>
+            </a:xfrm>
+            <a:custGeom>
+              <a:avLst/>
+              <a:pathLst>
+                <a:path w="34794" h="0">
+                  <a:moveTo>
+                    <a:pt x="0" y="0"/>
+                  </a:moveTo>
+                  <a:lnTo>
+                    <a:pt x="34794" y="0"/>
+                  </a:lnTo>
+                </a:path>
+              </a:pathLst>
+            </a:custGeom>
+            <a:ln w="6775" cap="flat">
+              <a:solidFill>
+                <a:srgbClr val="B3B3B3">
+                  <a:alpha val="100000"/>
+                </a:srgbClr>
+              </a:solidFill>
+              <a:prstDash val="solid"/>
+              <a:round/>
+            </a:ln>
+          </p:spPr>
+          <p:txBody>
+            <a:bodyPr/>
+            <a:lstStyle/>
+            <a:p/>
+          </p:txBody>
+        </p:sp>
+        <p:sp>
+          <p:nvSpPr>
+            <p:cNvPr id="62" name="pl62"/>
             <p:cNvSpPr/>
             <p:nvPr/>
           </p:nvSpPr>
@@ -5033,13 +5521,13 @@
         </p:sp>
         <p:sp>
           <p:nvSpPr>
-            <p:cNvPr id="51" name="pl51"/>
-            <p:cNvSpPr/>
-            <p:nvPr/>
-          </p:nvSpPr>
-          <p:spPr>
-            <a:xfrm>
-              <a:off x="3934994" y="5638927"/>
+            <p:cNvPr id="63" name="pl63"/>
+            <p:cNvSpPr/>
+            <p:nvPr/>
+          </p:nvSpPr>
+          <p:spPr>
+            <a:xfrm>
+              <a:off x="3514526" y="5638927"/>
               <a:ext cx="0" cy="34794"/>
             </a:xfrm>
             <a:custGeom>
@@ -5073,13 +5561,13 @@
         </p:sp>
         <p:sp>
           <p:nvSpPr>
-            <p:cNvPr id="52" name="pl52"/>
-            <p:cNvSpPr/>
-            <p:nvPr/>
-          </p:nvSpPr>
-          <p:spPr>
-            <a:xfrm>
-              <a:off x="5846439" y="5638927"/>
+            <p:cNvPr id="64" name="pl64"/>
+            <p:cNvSpPr/>
+            <p:nvPr/>
+          </p:nvSpPr>
+          <p:spPr>
+            <a:xfrm>
+              <a:off x="5005504" y="5638927"/>
               <a:ext cx="0" cy="34794"/>
             </a:xfrm>
             <a:custGeom>
@@ -5113,13 +5601,13 @@
         </p:sp>
         <p:sp>
           <p:nvSpPr>
-            <p:cNvPr id="53" name="pl53"/>
-            <p:cNvSpPr/>
-            <p:nvPr/>
-          </p:nvSpPr>
-          <p:spPr>
-            <a:xfrm>
-              <a:off x="7757883" y="5638927"/>
+            <p:cNvPr id="65" name="pl65"/>
+            <p:cNvSpPr/>
+            <p:nvPr/>
+          </p:nvSpPr>
+          <p:spPr>
+            <a:xfrm>
+              <a:off x="6496481" y="5638927"/>
               <a:ext cx="0" cy="34794"/>
             </a:xfrm>
             <a:custGeom>
@@ -5153,7 +5641,47 @@
         </p:sp>
         <p:sp>
           <p:nvSpPr>
-            <p:cNvPr id="54" name="tx54"/>
+            <p:cNvPr id="66" name="pl66"/>
+            <p:cNvSpPr/>
+            <p:nvPr/>
+          </p:nvSpPr>
+          <p:spPr>
+            <a:xfrm>
+              <a:off x="7987459" y="5638927"/>
+              <a:ext cx="0" cy="34794"/>
+            </a:xfrm>
+            <a:custGeom>
+              <a:avLst/>
+              <a:pathLst>
+                <a:path w="0" h="34794">
+                  <a:moveTo>
+                    <a:pt x="0" y="34794"/>
+                  </a:moveTo>
+                  <a:lnTo>
+                    <a:pt x="0" y="0"/>
+                  </a:lnTo>
+                </a:path>
+              </a:pathLst>
+            </a:custGeom>
+            <a:ln w="6775" cap="flat">
+              <a:solidFill>
+                <a:srgbClr val="B3B3B3">
+                  <a:alpha val="100000"/>
+                </a:srgbClr>
+              </a:solidFill>
+              <a:prstDash val="solid"/>
+              <a:round/>
+            </a:ln>
+          </p:spPr>
+          <p:txBody>
+            <a:bodyPr/>
+            <a:lstStyle/>
+            <a:p/>
+          </p:txBody>
+        </p:sp>
+        <p:sp>
+          <p:nvSpPr>
+            <p:cNvPr id="67" name="tx67"/>
             <p:cNvSpPr/>
             <p:nvPr/>
           </p:nvSpPr>
@@ -5199,13 +5727,59 @@
         </p:sp>
         <p:sp>
           <p:nvSpPr>
-            <p:cNvPr id="55" name="tx55"/>
-            <p:cNvSpPr/>
-            <p:nvPr/>
-          </p:nvSpPr>
-          <p:spPr>
-            <a:xfrm>
-              <a:off x="3810682" y="5699866"/>
+            <p:cNvPr id="68" name="tx68"/>
+            <p:cNvSpPr/>
+            <p:nvPr/>
+          </p:nvSpPr>
+          <p:spPr>
+            <a:xfrm>
+              <a:off x="3421293" y="5699866"/>
+              <a:ext cx="186466" cy="81691"/>
+            </a:xfrm>
+            <a:prstGeom prst="rect">
+              <a:avLst/>
+            </a:prstGeom>
+            <a:noFill/>
+          </p:spPr>
+          <p:txBody>
+            <a:bodyPr lIns="0" rIns="0" tIns="0" bIns="0" anchorCtr="1" anchor="ctr" wrap="none"/>
+            <a:lstStyle/>
+            <a:p>
+              <a:pPr algn="l" marL="0" marR="0" indent="0">
+                <a:lnSpc>
+                  <a:spcPts val="880"/>
+                </a:lnSpc>
+                <a:spcBef>
+                  <a:spcPts val="0"/>
+                </a:spcBef>
+                <a:spcAft>
+                  <a:spcPts val="0"/>
+                </a:spcAft>
+              </a:pPr>
+              <a:r>
+                <a:rPr sz="880">
+                  <a:solidFill>
+                    <a:srgbClr val="4D4D4D">
+                      <a:alpha val="100000"/>
+                    </a:srgbClr>
+                  </a:solidFill>
+                  <a:latin typeface="Arial"/>
+                  <a:cs typeface="Arial"/>
+                </a:rPr>
+                <a:t>500</a:t>
+              </a:r>
+            </a:p>
+          </p:txBody>
+        </p:sp>
+        <p:sp>
+          <p:nvSpPr>
+            <p:cNvPr id="69" name="tx69"/>
+            <p:cNvSpPr/>
+            <p:nvPr/>
+          </p:nvSpPr>
+          <p:spPr>
+            <a:xfrm>
+              <a:off x="4881193" y="5699866"/>
               <a:ext cx="248622" cy="81691"/>
             </a:xfrm>
             <a:prstGeom prst="rect">
@@ -5245,13 +5819,59 @@
         </p:sp>
         <p:sp>
           <p:nvSpPr>
-            <p:cNvPr id="56" name="tx56"/>
-            <p:cNvSpPr/>
-            <p:nvPr/>
-          </p:nvSpPr>
-          <p:spPr>
-            <a:xfrm>
-              <a:off x="5722127" y="5699866"/>
+            <p:cNvPr id="70" name="tx70"/>
+            <p:cNvSpPr/>
+            <p:nvPr/>
+          </p:nvSpPr>
+          <p:spPr>
+            <a:xfrm>
+              <a:off x="6372170" y="5699866"/>
+              <a:ext cx="248622" cy="81691"/>
+            </a:xfrm>
+            <a:prstGeom prst="rect">
+              <a:avLst/>
+            </a:prstGeom>
+            <a:noFill/>
+          </p:spPr>
+          <p:txBody>
+            <a:bodyPr lIns="0" rIns="0" tIns="0" bIns="0" anchorCtr="1" anchor="ctr" wrap="none"/>
+            <a:lstStyle/>
+            <a:p>
+              <a:pPr algn="l" marL="0" marR="0" indent="0">
+                <a:lnSpc>
+                  <a:spcPts val="880"/>
+                </a:lnSpc>
+                <a:spcBef>
+                  <a:spcPts val="0"/>
+                </a:spcBef>
+                <a:spcAft>
+                  <a:spcPts val="0"/>
+                </a:spcAft>
+              </a:pPr>
+              <a:r>
+                <a:rPr sz="880">
+                  <a:solidFill>
+                    <a:srgbClr val="4D4D4D">
+                      <a:alpha val="100000"/>
+                    </a:srgbClr>
+                  </a:solidFill>
+                  <a:latin typeface="Arial"/>
+                  <a:cs typeface="Arial"/>
+                </a:rPr>
+                <a:t>1500</a:t>
+              </a:r>
+            </a:p>
+          </p:txBody>
+        </p:sp>
+        <p:sp>
+          <p:nvSpPr>
+            <p:cNvPr id="71" name="tx71"/>
+            <p:cNvSpPr/>
+            <p:nvPr/>
+          </p:nvSpPr>
+          <p:spPr>
+            <a:xfrm>
+              <a:off x="7863147" y="5699866"/>
               <a:ext cx="248622" cy="81691"/>
             </a:xfrm>
             <a:prstGeom prst="rect">
@@ -5285,52 +5905,6 @@
                   <a:cs typeface="Arial"/>
                 </a:rPr>
                 <a:t>2000</a:t>
-              </a:r>
-            </a:p>
-          </p:txBody>
-        </p:sp>
-        <p:sp>
-          <p:nvSpPr>
-            <p:cNvPr id="57" name="tx57"/>
-            <p:cNvSpPr/>
-            <p:nvPr/>
-          </p:nvSpPr>
-          <p:spPr>
-            <a:xfrm>
-              <a:off x="7633572" y="5699811"/>
-              <a:ext cx="248622" cy="81746"/>
-            </a:xfrm>
-            <a:prstGeom prst="rect">
-              <a:avLst/>
-            </a:prstGeom>
-            <a:noFill/>
-          </p:spPr>
-          <p:txBody>
-            <a:bodyPr lIns="0" rIns="0" tIns="0" bIns="0" anchorCtr="1" anchor="ctr" wrap="none"/>
-            <a:lstStyle/>
-            <a:p>
-              <a:pPr algn="l" marL="0" marR="0" indent="0">
-                <a:lnSpc>
-                  <a:spcPts val="880"/>
-                </a:lnSpc>
-                <a:spcBef>
-                  <a:spcPts val="0"/>
-                </a:spcBef>
-                <a:spcAft>
-                  <a:spcPts val="0"/>
-                </a:spcAft>
-              </a:pPr>
-              <a:r>
-                <a:rPr sz="880">
-                  <a:solidFill>
-                    <a:srgbClr val="4D4D4D">
-                      <a:alpha val="100000"/>
-                    </a:srgbClr>
-                  </a:solidFill>
-                  <a:latin typeface="Arial"/>
-                  <a:cs typeface="Arial"/>
-                </a:rPr>
-                <a:t>3000</a:t>
               </a:r>
             </a:p>
           </p:txBody>
